--- a/Seitenkanal und HSM Folien.pptx
+++ b/Seitenkanal und HSM Folien.pptx
@@ -316,7 +316,7 @@
               <a:pPr>
                 <a:defRPr/>
               </a:pPr>
-              <a:t>16.01.2022</a:t>
+              <a:t>17.01.22</a:t>
             </a:fld>
             <a:endParaRPr lang="de-DE"/>
           </a:p>
@@ -391,7 +391,7 @@
               <a:pPr>
                 <a:defRPr/>
               </a:pPr>
-              <a:t>‹Nr.›</a:t>
+              <a:t>‹#›</a:t>
             </a:fld>
             <a:endParaRPr lang="de-DE"/>
           </a:p>
@@ -499,7 +499,7 @@
               <a:pPr>
                 <a:defRPr/>
               </a:pPr>
-              <a:t>16.01.2022</a:t>
+              <a:t>17.01.22</a:t>
             </a:fld>
             <a:endParaRPr lang="de-DE"/>
           </a:p>
@@ -669,7 +669,7 @@
               <a:pPr>
                 <a:defRPr/>
               </a:pPr>
-              <a:t>‹Nr.›</a:t>
+              <a:t>‹#›</a:t>
             </a:fld>
             <a:endParaRPr lang="de-DE"/>
           </a:p>
@@ -7706,7 +7706,7 @@
                 </a:tabLst>
                 <a:defRPr/>
               </a:pPr>
-              <a:t>16. Januar 2022</a:t>
+              <a:t>17. Januar 2022</a:t>
             </a:fld>
             <a:r>
               <a:rPr lang="de-DE" sz="800" dirty="0">
@@ -7724,7 +7724,7 @@
                 </a:tabLst>
                 <a:defRPr/>
               </a:pPr>
-              <a:t>‹Nr.›</a:t>
+              <a:t>‹#›</a:t>
             </a:fld>
             <a:endParaRPr lang="de-DE" sz="800" dirty="0">
               <a:latin typeface="Verdana" pitchFamily="34" charset="0"/>
@@ -8063,7 +8063,7 @@
                 </a:tabLst>
                 <a:defRPr/>
               </a:pPr>
-              <a:t>16. Januar 2022</a:t>
+              <a:t>17. Januar 2022</a:t>
             </a:fld>
             <a:r>
               <a:rPr lang="de-DE" sz="800" dirty="0">
@@ -8081,7 +8081,7 @@
                 </a:tabLst>
                 <a:defRPr/>
               </a:pPr>
-              <a:t>‹Nr.›</a:t>
+              <a:t>‹#›</a:t>
             </a:fld>
             <a:endParaRPr lang="de-DE" sz="800" dirty="0">
               <a:latin typeface="Verdana" pitchFamily="34" charset="0"/>
@@ -8449,7 +8449,7 @@
                 </a:tabLst>
                 <a:defRPr/>
               </a:pPr>
-              <a:t>16. Januar 2022</a:t>
+              <a:t>17. Januar 2022</a:t>
             </a:fld>
             <a:r>
               <a:rPr lang="de-DE" sz="800" dirty="0">
@@ -8467,7 +8467,7 @@
                 </a:tabLst>
                 <a:defRPr/>
               </a:pPr>
-              <a:t>‹Nr.›</a:t>
+              <a:t>‹#›</a:t>
             </a:fld>
             <a:endParaRPr lang="de-DE" sz="800" dirty="0">
               <a:latin typeface="Verdana" pitchFamily="34" charset="0"/>
@@ -9223,7 +9223,7 @@
               <a:pPr>
                 <a:defRPr/>
               </a:pPr>
-              <a:t>16. Januar 2022</a:t>
+              <a:t>17. Januar 2022</a:t>
             </a:fld>
             <a:endParaRPr lang="de-DE" dirty="0"/>
           </a:p>
@@ -9350,7 +9350,7 @@
               <a:pPr>
                 <a:defRPr/>
               </a:pPr>
-              <a:t>‹Nr.›</a:t>
+              <a:t>‹#›</a:t>
             </a:fld>
             <a:endParaRPr lang="de-DE"/>
           </a:p>
@@ -13402,7 +13402,15 @@
           <a:p>
             <a:r>
               <a:rPr lang="de-DE" sz="2000" dirty="0"/>
-              <a:t>Elektromagnetische Strahlung nach 100 m immer noch Messbar.</a:t>
+              <a:t>Elektromagnetische Strahlung nach 100 m immer </a:t>
+            </a:r>
+            <a:r>
+              <a:rPr lang="de-DE" sz="2000"/>
+              <a:t>noch messbar</a:t>
+            </a:r>
+            <a:r>
+              <a:rPr lang="de-DE" sz="2000" dirty="0"/>
+              <a:t>.</a:t>
             </a:r>
             <a:endParaRPr lang="de-DE" sz="1600" dirty="0"/>
           </a:p>
@@ -20229,7 +20237,11 @@
               </a:spcAft>
             </a:pPr>
             <a:r>
-              <a:rPr lang="de-DE" altLang="de-DE" sz="2000" dirty="0"/>
+              <a:rPr lang="de-DE" altLang="de-DE" sz="2000" dirty="0">
+                <a:solidFill>
+                  <a:srgbClr val="00B1AC"/>
+                </a:solidFill>
+              </a:rPr>
               <a:t>- Seitenkanalangriffe</a:t>
             </a:r>
           </a:p>
@@ -20242,7 +20254,11 @@
                 <a:spcPct val="0"/>
               </a:spcAft>
             </a:pPr>
-            <a:endParaRPr lang="de-DE" altLang="de-DE" sz="2000" dirty="0"/>
+            <a:endParaRPr lang="de-DE" altLang="de-DE" sz="2000" dirty="0">
+              <a:solidFill>
+                <a:srgbClr val="00B1AC"/>
+              </a:solidFill>
+            </a:endParaRPr>
           </a:p>
           <a:p>
             <a:pPr>
